--- a/doc/DatMan-DM-Asset.pptx
+++ b/doc/DatMan-DM-Asset.pptx
@@ -10,8 +10,9 @@
     <p:sldId id="257" r:id="rId4"/>
     <p:sldId id="262" r:id="rId5"/>
     <p:sldId id="259" r:id="rId6"/>
-    <p:sldId id="260" r:id="rId7"/>
-    <p:sldId id="261" r:id="rId8"/>
+    <p:sldId id="263" r:id="rId7"/>
+    <p:sldId id="260" r:id="rId8"/>
+    <p:sldId id="261" r:id="rId9"/>
   </p:sldIdLst>
   <p:sldSz cx="12192000" cy="6858000"/>
   <p:notesSz cx="6858000" cy="9144000"/>
@@ -275,7 +276,7 @@
           <a:p>
             <a:fld id="{74D4CB9A-386A-404B-B176-312302C6E49A}" type="datetimeFigureOut">
               <a:rPr lang="de-CH" smtClean="0"/>
-              <a:t>20.07.2021</a:t>
+              <a:t>21.07.2021</a:t>
             </a:fld>
             <a:endParaRPr lang="de-CH"/>
           </a:p>
@@ -445,7 +446,7 @@
           <a:p>
             <a:fld id="{74D4CB9A-386A-404B-B176-312302C6E49A}" type="datetimeFigureOut">
               <a:rPr lang="de-CH" smtClean="0"/>
-              <a:t>20.07.2021</a:t>
+              <a:t>21.07.2021</a:t>
             </a:fld>
             <a:endParaRPr lang="de-CH"/>
           </a:p>
@@ -625,7 +626,7 @@
           <a:p>
             <a:fld id="{74D4CB9A-386A-404B-B176-312302C6E49A}" type="datetimeFigureOut">
               <a:rPr lang="de-CH" smtClean="0"/>
-              <a:t>20.07.2021</a:t>
+              <a:t>21.07.2021</a:t>
             </a:fld>
             <a:endParaRPr lang="de-CH"/>
           </a:p>
@@ -795,7 +796,7 @@
           <a:p>
             <a:fld id="{74D4CB9A-386A-404B-B176-312302C6E49A}" type="datetimeFigureOut">
               <a:rPr lang="de-CH" smtClean="0"/>
-              <a:t>20.07.2021</a:t>
+              <a:t>21.07.2021</a:t>
             </a:fld>
             <a:endParaRPr lang="de-CH"/>
           </a:p>
@@ -1041,7 +1042,7 @@
           <a:p>
             <a:fld id="{74D4CB9A-386A-404B-B176-312302C6E49A}" type="datetimeFigureOut">
               <a:rPr lang="de-CH" smtClean="0"/>
-              <a:t>20.07.2021</a:t>
+              <a:t>21.07.2021</a:t>
             </a:fld>
             <a:endParaRPr lang="de-CH"/>
           </a:p>
@@ -1273,7 +1274,7 @@
           <a:p>
             <a:fld id="{74D4CB9A-386A-404B-B176-312302C6E49A}" type="datetimeFigureOut">
               <a:rPr lang="de-CH" smtClean="0"/>
-              <a:t>20.07.2021</a:t>
+              <a:t>21.07.2021</a:t>
             </a:fld>
             <a:endParaRPr lang="de-CH"/>
           </a:p>
@@ -1640,7 +1641,7 @@
           <a:p>
             <a:fld id="{74D4CB9A-386A-404B-B176-312302C6E49A}" type="datetimeFigureOut">
               <a:rPr lang="de-CH" smtClean="0"/>
-              <a:t>20.07.2021</a:t>
+              <a:t>21.07.2021</a:t>
             </a:fld>
             <a:endParaRPr lang="de-CH"/>
           </a:p>
@@ -1758,7 +1759,7 @@
           <a:p>
             <a:fld id="{74D4CB9A-386A-404B-B176-312302C6E49A}" type="datetimeFigureOut">
               <a:rPr lang="de-CH" smtClean="0"/>
-              <a:t>20.07.2021</a:t>
+              <a:t>21.07.2021</a:t>
             </a:fld>
             <a:endParaRPr lang="de-CH"/>
           </a:p>
@@ -1853,7 +1854,7 @@
           <a:p>
             <a:fld id="{74D4CB9A-386A-404B-B176-312302C6E49A}" type="datetimeFigureOut">
               <a:rPr lang="de-CH" smtClean="0"/>
-              <a:t>20.07.2021</a:t>
+              <a:t>21.07.2021</a:t>
             </a:fld>
             <a:endParaRPr lang="de-CH"/>
           </a:p>
@@ -2130,7 +2131,7 @@
           <a:p>
             <a:fld id="{74D4CB9A-386A-404B-B176-312302C6E49A}" type="datetimeFigureOut">
               <a:rPr lang="de-CH" smtClean="0"/>
-              <a:t>20.07.2021</a:t>
+              <a:t>21.07.2021</a:t>
             </a:fld>
             <a:endParaRPr lang="de-CH"/>
           </a:p>
@@ -2387,7 +2388,7 @@
           <a:p>
             <a:fld id="{74D4CB9A-386A-404B-B176-312302C6E49A}" type="datetimeFigureOut">
               <a:rPr lang="de-CH" smtClean="0"/>
-              <a:t>20.07.2021</a:t>
+              <a:t>21.07.2021</a:t>
             </a:fld>
             <a:endParaRPr lang="de-CH"/>
           </a:p>
@@ -2600,7 +2601,7 @@
           <a:p>
             <a:fld id="{74D4CB9A-386A-404B-B176-312302C6E49A}" type="datetimeFigureOut">
               <a:rPr lang="de-CH" smtClean="0"/>
-              <a:t>20.07.2021</a:t>
+              <a:t>21.07.2021</a:t>
             </a:fld>
             <a:endParaRPr lang="de-CH"/>
           </a:p>
@@ -3948,6 +3949,102 @@
           </a:p>
         </p:txBody>
       </p:sp>
+      <p:sp>
+        <p:nvSpPr>
+          <p:cNvPr id="2" name="Rechteck 1"/>
+          <p:cNvSpPr/>
+          <p:nvPr/>
+        </p:nvSpPr>
+        <p:spPr>
+          <a:xfrm rot="16200000">
+            <a:off x="10865020" y="2301729"/>
+            <a:ext cx="1780710" cy="394636"/>
+          </a:xfrm>
+          <a:prstGeom prst="rect">
+            <a:avLst/>
+          </a:prstGeom>
+        </p:spPr>
+        <p:style>
+          <a:lnRef idx="2">
+            <a:schemeClr val="accent1">
+              <a:shade val="50000"/>
+            </a:schemeClr>
+          </a:lnRef>
+          <a:fillRef idx="1">
+            <a:schemeClr val="accent1"/>
+          </a:fillRef>
+          <a:effectRef idx="0">
+            <a:schemeClr val="accent1"/>
+          </a:effectRef>
+          <a:fontRef idx="minor">
+            <a:schemeClr val="lt1"/>
+          </a:fontRef>
+        </p:style>
+        <p:txBody>
+          <a:bodyPr rtlCol="0" anchor="ctr"/>
+          <a:lstStyle/>
+          <a:p>
+            <a:pPr algn="ctr"/>
+            <a:r>
+              <a:rPr lang="de-CH" dirty="0" smtClean="0"/>
+              <a:t>Pflicht</a:t>
+            </a:r>
+            <a:endParaRPr lang="de-CH" dirty="0"/>
+          </a:p>
+        </p:txBody>
+      </p:sp>
+      <p:sp>
+        <p:nvSpPr>
+          <p:cNvPr id="12" name="Rechteck 11"/>
+          <p:cNvSpPr/>
+          <p:nvPr/>
+        </p:nvSpPr>
+        <p:spPr>
+          <a:xfrm rot="16200000">
+            <a:off x="10042538" y="5034280"/>
+            <a:ext cx="3421053" cy="394636"/>
+          </a:xfrm>
+          <a:prstGeom prst="rect">
+            <a:avLst/>
+          </a:prstGeom>
+        </p:spPr>
+        <p:style>
+          <a:lnRef idx="2">
+            <a:schemeClr val="accent1">
+              <a:shade val="50000"/>
+            </a:schemeClr>
+          </a:lnRef>
+          <a:fillRef idx="1">
+            <a:schemeClr val="accent1"/>
+          </a:fillRef>
+          <a:effectRef idx="0">
+            <a:schemeClr val="accent1"/>
+          </a:effectRef>
+          <a:fontRef idx="minor">
+            <a:schemeClr val="lt1"/>
+          </a:fontRef>
+        </p:style>
+        <p:txBody>
+          <a:bodyPr rtlCol="0" anchor="ctr"/>
+          <a:lstStyle/>
+          <a:p>
+            <a:pPr algn="ctr"/>
+            <a:r>
+              <a:rPr lang="de-CH" dirty="0" smtClean="0"/>
+              <a:t>«Kür», Für LG internes </a:t>
+            </a:r>
+            <a:r>
+              <a:rPr lang="de-CH" dirty="0" err="1" smtClean="0"/>
+              <a:t>DatMan</a:t>
+            </a:r>
+            <a:r>
+              <a:rPr lang="de-CH" dirty="0" smtClean="0"/>
+              <a:t>.</a:t>
+            </a:r>
+            <a:endParaRPr lang="de-CH" dirty="0"/>
+          </a:p>
+        </p:txBody>
+      </p:sp>
     </p:spTree>
     <p:extLst>
       <p:ext uri="{BB962C8B-B14F-4D97-AF65-F5344CB8AC3E}">
@@ -3962,6 +4059,488 @@
 </file>
 
 <file path=ppt/slides/slide6.xml><?xml version="1.0" encoding="utf-8"?>
+<p:sld xmlns:a="http://schemas.openxmlformats.org/drawingml/2006/main" xmlns:r="http://schemas.openxmlformats.org/officeDocument/2006/relationships" xmlns:p="http://schemas.openxmlformats.org/presentationml/2006/main">
+  <p:cSld>
+    <p:spTree>
+      <p:nvGrpSpPr>
+        <p:cNvPr id="1" name=""/>
+        <p:cNvGrpSpPr/>
+        <p:nvPr/>
+      </p:nvGrpSpPr>
+      <p:grpSpPr>
+        <a:xfrm>
+          <a:off x="0" y="0"/>
+          <a:ext cx="0" cy="0"/>
+          <a:chOff x="0" y="0"/>
+          <a:chExt cx="0" cy="0"/>
+        </a:xfrm>
+      </p:grpSpPr>
+      <p:sp>
+        <p:nvSpPr>
+          <p:cNvPr id="4" name="Rechteck 3"/>
+          <p:cNvSpPr/>
+          <p:nvPr/>
+        </p:nvSpPr>
+        <p:spPr>
+          <a:xfrm>
+            <a:off x="1896175" y="1694050"/>
+            <a:ext cx="1982805" cy="914400"/>
+          </a:xfrm>
+          <a:prstGeom prst="rect">
+            <a:avLst/>
+          </a:prstGeom>
+        </p:spPr>
+        <p:style>
+          <a:lnRef idx="2">
+            <a:schemeClr val="accent1">
+              <a:shade val="50000"/>
+            </a:schemeClr>
+          </a:lnRef>
+          <a:fillRef idx="1">
+            <a:schemeClr val="accent1"/>
+          </a:fillRef>
+          <a:effectRef idx="0">
+            <a:schemeClr val="accent1"/>
+          </a:effectRef>
+          <a:fontRef idx="minor">
+            <a:schemeClr val="lt1"/>
+          </a:fontRef>
+        </p:style>
+        <p:txBody>
+          <a:bodyPr rtlCol="0" anchor="ctr"/>
+          <a:lstStyle/>
+          <a:p>
+            <a:pPr algn="ctr"/>
+            <a:r>
+              <a:rPr lang="de-CH" dirty="0" err="1" smtClean="0"/>
+              <a:t>AssetPackage</a:t>
+            </a:r>
+            <a:r>
+              <a:rPr lang="de-CH" dirty="0" smtClean="0"/>
+              <a:t>-ID = Lieferung 1</a:t>
+            </a:r>
+            <a:endParaRPr lang="de-CH" dirty="0"/>
+          </a:p>
+        </p:txBody>
+      </p:sp>
+      <p:sp>
+        <p:nvSpPr>
+          <p:cNvPr id="5" name="Rechteck 4"/>
+          <p:cNvSpPr/>
+          <p:nvPr/>
+        </p:nvSpPr>
+        <p:spPr>
+          <a:xfrm>
+            <a:off x="1896175" y="2818602"/>
+            <a:ext cx="1982805" cy="914400"/>
+          </a:xfrm>
+          <a:prstGeom prst="rect">
+            <a:avLst/>
+          </a:prstGeom>
+        </p:spPr>
+        <p:style>
+          <a:lnRef idx="2">
+            <a:schemeClr val="accent1">
+              <a:shade val="50000"/>
+            </a:schemeClr>
+          </a:lnRef>
+          <a:fillRef idx="1">
+            <a:schemeClr val="accent1"/>
+          </a:fillRef>
+          <a:effectRef idx="0">
+            <a:schemeClr val="accent1"/>
+          </a:effectRef>
+          <a:fontRef idx="minor">
+            <a:schemeClr val="lt1"/>
+          </a:fontRef>
+        </p:style>
+        <p:txBody>
+          <a:bodyPr rtlCol="0" anchor="ctr"/>
+          <a:lstStyle/>
+          <a:p>
+            <a:pPr algn="ctr"/>
+            <a:r>
+              <a:rPr lang="de-CH" dirty="0" err="1" smtClean="0"/>
+              <a:t>AssetPackage</a:t>
+            </a:r>
+            <a:r>
+              <a:rPr lang="de-CH" dirty="0" smtClean="0"/>
+              <a:t>-ID = Lieferung 2</a:t>
+            </a:r>
+            <a:endParaRPr lang="de-CH" dirty="0"/>
+          </a:p>
+        </p:txBody>
+      </p:sp>
+      <p:sp>
+        <p:nvSpPr>
+          <p:cNvPr id="6" name="Rechteck 5"/>
+          <p:cNvSpPr/>
+          <p:nvPr/>
+        </p:nvSpPr>
+        <p:spPr>
+          <a:xfrm>
+            <a:off x="1896174" y="3943154"/>
+            <a:ext cx="1982805" cy="914400"/>
+          </a:xfrm>
+          <a:prstGeom prst="rect">
+            <a:avLst/>
+          </a:prstGeom>
+        </p:spPr>
+        <p:style>
+          <a:lnRef idx="2">
+            <a:schemeClr val="accent1">
+              <a:shade val="50000"/>
+            </a:schemeClr>
+          </a:lnRef>
+          <a:fillRef idx="1">
+            <a:schemeClr val="accent1"/>
+          </a:fillRef>
+          <a:effectRef idx="0">
+            <a:schemeClr val="accent1"/>
+          </a:effectRef>
+          <a:fontRef idx="minor">
+            <a:schemeClr val="lt1"/>
+          </a:fontRef>
+        </p:style>
+        <p:txBody>
+          <a:bodyPr rtlCol="0" anchor="ctr"/>
+          <a:lstStyle/>
+          <a:p>
+            <a:pPr algn="ctr"/>
+            <a:r>
+              <a:rPr lang="de-CH" dirty="0" err="1" smtClean="0"/>
+              <a:t>AssetPackage</a:t>
+            </a:r>
+            <a:r>
+              <a:rPr lang="de-CH" dirty="0" smtClean="0"/>
+              <a:t>-ID = Lieferung x</a:t>
+            </a:r>
+            <a:endParaRPr lang="de-CH" dirty="0"/>
+          </a:p>
+        </p:txBody>
+      </p:sp>
+      <p:sp>
+        <p:nvSpPr>
+          <p:cNvPr id="7" name="Rechteck 6"/>
+          <p:cNvSpPr/>
+          <p:nvPr/>
+        </p:nvSpPr>
+        <p:spPr>
+          <a:xfrm>
+            <a:off x="904771" y="604788"/>
+            <a:ext cx="1982805" cy="914400"/>
+          </a:xfrm>
+          <a:prstGeom prst="rect">
+            <a:avLst/>
+          </a:prstGeom>
+        </p:spPr>
+        <p:style>
+          <a:lnRef idx="2">
+            <a:schemeClr val="accent1">
+              <a:shade val="50000"/>
+            </a:schemeClr>
+          </a:lnRef>
+          <a:fillRef idx="1">
+            <a:schemeClr val="accent1"/>
+          </a:fillRef>
+          <a:effectRef idx="0">
+            <a:schemeClr val="accent1"/>
+          </a:effectRef>
+          <a:fontRef idx="minor">
+            <a:schemeClr val="lt1"/>
+          </a:fontRef>
+        </p:style>
+        <p:txBody>
+          <a:bodyPr rtlCol="0" anchor="ctr"/>
+          <a:lstStyle/>
+          <a:p>
+            <a:pPr algn="ctr"/>
+            <a:r>
+              <a:rPr lang="de-CH" dirty="0" smtClean="0"/>
+              <a:t>01_Eing</a:t>
+            </a:r>
+            <a:endParaRPr lang="de-CH" dirty="0"/>
+          </a:p>
+        </p:txBody>
+      </p:sp>
+      <p:sp>
+        <p:nvSpPr>
+          <p:cNvPr id="8" name="Rechteck 7"/>
+          <p:cNvSpPr/>
+          <p:nvPr/>
+        </p:nvSpPr>
+        <p:spPr>
+          <a:xfrm>
+            <a:off x="4177360" y="4580028"/>
+            <a:ext cx="1982805" cy="914400"/>
+          </a:xfrm>
+          <a:prstGeom prst="rect">
+            <a:avLst/>
+          </a:prstGeom>
+        </p:spPr>
+        <p:style>
+          <a:lnRef idx="2">
+            <a:schemeClr val="accent1">
+              <a:shade val="50000"/>
+            </a:schemeClr>
+          </a:lnRef>
+          <a:fillRef idx="1">
+            <a:schemeClr val="accent1"/>
+          </a:fillRef>
+          <a:effectRef idx="0">
+            <a:schemeClr val="accent1"/>
+          </a:effectRef>
+          <a:fontRef idx="minor">
+            <a:schemeClr val="lt1"/>
+          </a:fontRef>
+        </p:style>
+        <p:txBody>
+          <a:bodyPr rtlCol="0" anchor="ctr"/>
+          <a:lstStyle/>
+          <a:p>
+            <a:pPr algn="ctr"/>
+            <a:r>
+              <a:rPr lang="de-CH" dirty="0" err="1" smtClean="0"/>
+              <a:t>InfoGeol</a:t>
+            </a:r>
+            <a:r>
+              <a:rPr lang="de-CH" dirty="0" smtClean="0"/>
+              <a:t>-ID x</a:t>
+            </a:r>
+            <a:endParaRPr lang="de-CH" dirty="0"/>
+          </a:p>
+        </p:txBody>
+      </p:sp>
+      <p:sp>
+        <p:nvSpPr>
+          <p:cNvPr id="9" name="Rechteck 8"/>
+          <p:cNvSpPr/>
+          <p:nvPr/>
+        </p:nvSpPr>
+        <p:spPr>
+          <a:xfrm>
+            <a:off x="4177360" y="5656455"/>
+            <a:ext cx="1982805" cy="914400"/>
+          </a:xfrm>
+          <a:prstGeom prst="rect">
+            <a:avLst/>
+          </a:prstGeom>
+        </p:spPr>
+        <p:style>
+          <a:lnRef idx="2">
+            <a:schemeClr val="accent1">
+              <a:shade val="50000"/>
+            </a:schemeClr>
+          </a:lnRef>
+          <a:fillRef idx="1">
+            <a:schemeClr val="accent1"/>
+          </a:fillRef>
+          <a:effectRef idx="0">
+            <a:schemeClr val="accent1"/>
+          </a:effectRef>
+          <a:fontRef idx="minor">
+            <a:schemeClr val="lt1"/>
+          </a:fontRef>
+        </p:style>
+        <p:txBody>
+          <a:bodyPr rtlCol="0" anchor="ctr"/>
+          <a:lstStyle/>
+          <a:p>
+            <a:pPr algn="ctr"/>
+            <a:r>
+              <a:rPr lang="de-CH" dirty="0" err="1" smtClean="0"/>
+              <a:t>Infogeol</a:t>
+            </a:r>
+            <a:r>
+              <a:rPr lang="de-CH" dirty="0" smtClean="0"/>
+              <a:t>-ID y</a:t>
+            </a:r>
+            <a:endParaRPr lang="de-CH" dirty="0"/>
+          </a:p>
+        </p:txBody>
+      </p:sp>
+      <p:sp>
+        <p:nvSpPr>
+          <p:cNvPr id="10" name="Rechteck 9"/>
+          <p:cNvSpPr/>
+          <p:nvPr/>
+        </p:nvSpPr>
+        <p:spPr>
+          <a:xfrm>
+            <a:off x="7382573" y="4580028"/>
+            <a:ext cx="1982805" cy="914400"/>
+          </a:xfrm>
+          <a:prstGeom prst="rect">
+            <a:avLst/>
+          </a:prstGeom>
+        </p:spPr>
+        <p:style>
+          <a:lnRef idx="2">
+            <a:schemeClr val="accent1">
+              <a:shade val="50000"/>
+            </a:schemeClr>
+          </a:lnRef>
+          <a:fillRef idx="1">
+            <a:schemeClr val="accent1"/>
+          </a:fillRef>
+          <a:effectRef idx="0">
+            <a:schemeClr val="accent1"/>
+          </a:effectRef>
+          <a:fontRef idx="minor">
+            <a:schemeClr val="lt1"/>
+          </a:fontRef>
+        </p:style>
+        <p:txBody>
+          <a:bodyPr rtlCol="0" anchor="ctr"/>
+          <a:lstStyle/>
+          <a:p>
+            <a:pPr algn="ctr"/>
+            <a:r>
+              <a:rPr lang="de-CH" dirty="0" err="1" smtClean="0"/>
+              <a:t>UnKown</a:t>
+            </a:r>
+            <a:r>
+              <a:rPr lang="de-CH" dirty="0" smtClean="0"/>
+              <a:t>-</a:t>
+            </a:r>
+            <a:r>
+              <a:rPr lang="de-CH" dirty="0" err="1" smtClean="0"/>
+              <a:t>InfoGeol</a:t>
+            </a:r>
+            <a:r>
+              <a:rPr lang="de-CH" dirty="0" smtClean="0"/>
+              <a:t>-ID</a:t>
+            </a:r>
+            <a:endParaRPr lang="de-CH" dirty="0"/>
+          </a:p>
+        </p:txBody>
+      </p:sp>
+      <p:sp>
+        <p:nvSpPr>
+          <p:cNvPr id="11" name="Textfeld 10"/>
+          <p:cNvSpPr txBox="1"/>
+          <p:nvPr/>
+        </p:nvSpPr>
+        <p:spPr>
+          <a:xfrm>
+            <a:off x="9606013" y="4615325"/>
+            <a:ext cx="2345356" cy="1477328"/>
+          </a:xfrm>
+          <a:prstGeom prst="rect">
+            <a:avLst/>
+          </a:prstGeom>
+          <a:noFill/>
+        </p:spPr>
+        <p:txBody>
+          <a:bodyPr wrap="square" rtlCol="0">
+            <a:spAutoFit/>
+          </a:bodyPr>
+          <a:lstStyle/>
+          <a:p>
+            <a:r>
+              <a:rPr lang="de-CH" dirty="0" smtClean="0"/>
+              <a:t>Alle Bohrprofile oder andere Files, die nicht einer </a:t>
+            </a:r>
+            <a:r>
+              <a:rPr lang="de-CH" dirty="0" err="1" smtClean="0"/>
+              <a:t>InfoGeol</a:t>
+            </a:r>
+            <a:r>
+              <a:rPr lang="de-CH" dirty="0" smtClean="0"/>
+              <a:t>-Nr. oder einem </a:t>
+            </a:r>
+            <a:r>
+              <a:rPr lang="de-CH" dirty="0" err="1" smtClean="0"/>
+              <a:t>AssetPackage</a:t>
+            </a:r>
+            <a:r>
+              <a:rPr lang="de-CH" dirty="0" smtClean="0"/>
+              <a:t> zugeordnet sind.</a:t>
+            </a:r>
+            <a:endParaRPr lang="de-CH" dirty="0"/>
+          </a:p>
+        </p:txBody>
+      </p:sp>
+      <p:sp>
+        <p:nvSpPr>
+          <p:cNvPr id="12" name="Textfeld 11"/>
+          <p:cNvSpPr txBox="1"/>
+          <p:nvPr/>
+        </p:nvSpPr>
+        <p:spPr>
+          <a:xfrm>
+            <a:off x="6028619" y="780524"/>
+            <a:ext cx="3336759" cy="1477328"/>
+          </a:xfrm>
+          <a:prstGeom prst="rect">
+            <a:avLst/>
+          </a:prstGeom>
+          <a:noFill/>
+        </p:spPr>
+        <p:txBody>
+          <a:bodyPr wrap="square" rtlCol="0">
+            <a:spAutoFit/>
+          </a:bodyPr>
+          <a:lstStyle/>
+          <a:p>
+            <a:r>
+              <a:rPr lang="de-CH" dirty="0" smtClean="0"/>
+              <a:t>Applikationslogik:</a:t>
+            </a:r>
+          </a:p>
+          <a:p>
+            <a:pPr marL="285750" indent="-285750">
+              <a:buFontTx/>
+              <a:buChar char="-"/>
+            </a:pPr>
+            <a:r>
+              <a:rPr lang="de-CH" dirty="0" smtClean="0"/>
+              <a:t>Inhalt des </a:t>
+            </a:r>
+            <a:r>
+              <a:rPr lang="de-CH" dirty="0" err="1" smtClean="0"/>
+              <a:t>AssetPackage</a:t>
+            </a:r>
+            <a:r>
+              <a:rPr lang="de-CH" dirty="0" smtClean="0"/>
+              <a:t>-Ordners anzeigen</a:t>
+            </a:r>
+          </a:p>
+          <a:p>
+            <a:pPr marL="285750" indent="-285750">
+              <a:buFontTx/>
+              <a:buChar char="-"/>
+            </a:pPr>
+            <a:r>
+              <a:rPr lang="de-CH" dirty="0" smtClean="0"/>
+              <a:t>Beidseitige Verknüpfung  von TP5-App und </a:t>
+            </a:r>
+            <a:r>
+              <a:rPr lang="de-CH" dirty="0" err="1" smtClean="0"/>
+              <a:t>swissforages</a:t>
+            </a:r>
+            <a:r>
+              <a:rPr lang="de-CH" dirty="0" smtClean="0"/>
+              <a:t> </a:t>
+            </a:r>
+            <a:endParaRPr lang="de-CH" dirty="0"/>
+          </a:p>
+        </p:txBody>
+      </p:sp>
+    </p:spTree>
+    <p:extLst>
+      <p:ext uri="{BB962C8B-B14F-4D97-AF65-F5344CB8AC3E}">
+        <p14:creationId xmlns:p14="http://schemas.microsoft.com/office/powerpoint/2010/main" val="417014918"/>
+      </p:ext>
+    </p:extLst>
+  </p:cSld>
+  <p:clrMapOvr>
+    <a:masterClrMapping/>
+  </p:clrMapOvr>
+</p:sld>
+</file>
+
+<file path=ppt/slides/slide7.xml><?xml version="1.0" encoding="utf-8"?>
 <p:sld xmlns:a="http://schemas.openxmlformats.org/drawingml/2006/main" xmlns:r="http://schemas.openxmlformats.org/officeDocument/2006/relationships" xmlns:p="http://schemas.openxmlformats.org/presentationml/2006/main">
   <p:cSld>
     <p:spTree>
@@ -4015,7 +4594,7 @@
 </p:sld>
 </file>
 
-<file path=ppt/slides/slide7.xml><?xml version="1.0" encoding="utf-8"?>
+<file path=ppt/slides/slide8.xml><?xml version="1.0" encoding="utf-8"?>
 <p:sld xmlns:a="http://schemas.openxmlformats.org/drawingml/2006/main" xmlns:r="http://schemas.openxmlformats.org/officeDocument/2006/relationships" xmlns:p="http://schemas.openxmlformats.org/presentationml/2006/main">
   <p:cSld>
     <p:spTree>
